--- a/Decks/ServiceDiscovery.pptx
+++ b/Decks/ServiceDiscovery.pptx
@@ -15876,24 +15876,51 @@
           <a:p>
             <a:r>
               <a:rPr lang="en-US" dirty="0"/>
-              <a:t>Martez Killens</a:t>
+              <a:t>Platform Architecture Team</a:t>
             </a:r>
           </a:p>
           <a:p>
             <a:r>
               <a:rPr lang="en-US" dirty="0"/>
-              <a:t>Platform Architect</a:t>
+              <a:t>March 2019</a:t>
             </a:r>
-          </a:p>
-          <a:p>
-            <a:r>
-              <a:rPr lang="en-US"/>
-              <a:t>October 1, 2018</a:t>
-            </a:r>
-            <a:endParaRPr lang="en-US" dirty="0"/>
           </a:p>
         </p:txBody>
       </p:sp>
+      <p:pic>
+        <p:nvPicPr>
+          <p:cNvPr id="5" name="Google Shape;1613;p198">
+            <a:extLst>
+              <a:ext uri="{FF2B5EF4-FFF2-40B4-BE49-F238E27FC236}">
+                <a16:creationId xmlns:a16="http://schemas.microsoft.com/office/drawing/2014/main" id="{65CB59CF-A365-40B7-B453-0FAC289A4E89}"/>
+              </a:ext>
+            </a:extLst>
+          </p:cNvPr>
+          <p:cNvPicPr preferRelativeResize="0"/>
+          <p:nvPr/>
+        </p:nvPicPr>
+        <p:blipFill>
+          <a:blip r:embed="rId2">
+            <a:alphaModFix/>
+          </a:blip>
+          <a:stretch>
+            <a:fillRect/>
+          </a:stretch>
+        </p:blipFill>
+        <p:spPr>
+          <a:xfrm>
+            <a:off x="5286633" y="700275"/>
+            <a:ext cx="2834125" cy="771150"/>
+          </a:xfrm>
+          <a:prstGeom prst="rect">
+            <a:avLst/>
+          </a:prstGeom>
+          <a:noFill/>
+          <a:ln>
+            <a:noFill/>
+          </a:ln>
+        </p:spPr>
+      </p:pic>
     </p:spTree>
     <p:extLst>
       <p:ext uri="{BB962C8B-B14F-4D97-AF65-F5344CB8AC3E}">
